--- a/DsDotNet/src/UnitTest/UnitTest.Model/ImportOfficeExample/ppt/T1_System.pptx
+++ b/DsDotNet/src/UnitTest/UnitTest.Model/ImportOfficeExample/ppt/T1_System.pptx
@@ -217,7 +217,7 @@
           <a:p>
             <a:fld id="{DD503887-5801-43A0-AEF9-041E8DDC2558}" type="datetimeFigureOut">
               <a:rPr lang="ko-KR" altLang="en-US" smtClean="0"/>
-              <a:t>2022-12-20</a:t>
+              <a:t>2024-03-13</a:t>
             </a:fld>
             <a:endParaRPr lang="ko-KR" altLang="en-US"/>
           </a:p>
@@ -394,7 +394,7 @@
           <a:p>
             <a:fld id="{95336A0E-57B1-4D4C-BD9B-2F72B5943464}" type="datetimeFigureOut">
               <a:rPr lang="ko-KR" altLang="en-US" smtClean="0"/>
-              <a:t>2022-12-20</a:t>
+              <a:t>2024-03-13</a:t>
             </a:fld>
             <a:endParaRPr lang="ko-KR" altLang="en-US"/>
           </a:p>
@@ -756,7 +756,7 @@
           <a:effectLst/>
           <a:extLst>
             <a:ext uri="{91240B29-F687-4f45-9708-019B960494DF}">
-              <a14:hiddenLine xmlns:a14="http://schemas.microsoft.com/office/drawing/2010/main" xmlns="" w="9525">
+              <a14:hiddenLine xmlns="" xmlns:a14="http://schemas.microsoft.com/office/drawing/2010/main" w="9525">
                 <a:solidFill>
                   <a:srgbClr val="000000"/>
                 </a:solidFill>
@@ -948,7 +948,7 @@
           <a:p>
             <a:fld id="{DEA6EBF0-8E22-42A7-9BEA-2AC7066E6498}" type="datetimeFigureOut">
               <a:rPr lang="ko-KR" altLang="en-US" smtClean="0"/>
-              <a:t>2022-12-20</a:t>
+              <a:t>2024-03-13</a:t>
             </a:fld>
             <a:endParaRPr lang="ko-KR" altLang="en-US"/>
           </a:p>
@@ -1266,7 +1266,7 @@
           <a:p>
             <a:fld id="{DEA6EBF0-8E22-42A7-9BEA-2AC7066E6498}" type="datetimeFigureOut">
               <a:rPr lang="ko-KR" altLang="en-US" smtClean="0"/>
-              <a:t>2022-12-20</a:t>
+              <a:t>2024-03-13</a:t>
             </a:fld>
             <a:endParaRPr lang="ko-KR" altLang="en-US"/>
           </a:p>
@@ -1754,7 +1754,7 @@
           <a:p>
             <a:fld id="{DEA6EBF0-8E22-42A7-9BEA-2AC7066E6498}" type="datetimeFigureOut">
               <a:rPr lang="ko-KR" altLang="en-US" smtClean="0"/>
-              <a:t>2022-12-20</a:t>
+              <a:t>2024-03-13</a:t>
             </a:fld>
             <a:endParaRPr lang="ko-KR" altLang="en-US"/>
           </a:p>
@@ -2123,7 +2123,7 @@
           <a:p>
             <a:fld id="{DEA6EBF0-8E22-42A7-9BEA-2AC7066E6498}" type="datetimeFigureOut">
               <a:rPr lang="ko-KR" altLang="en-US" smtClean="0"/>
-              <a:t>2022-12-20</a:t>
+              <a:t>2024-03-13</a:t>
             </a:fld>
             <a:endParaRPr lang="ko-KR" altLang="en-US"/>
           </a:p>
@@ -2278,7 +2278,7 @@
           <a:ln/>
           <a:extLst>
             <a:ext uri="{91240B29-F687-4f45-9708-019B960494DF}">
-              <a14:hiddenLine xmlns:a14="http://schemas.microsoft.com/office/drawing/2010/main" xmlns="" w="9525">
+              <a14:hiddenLine xmlns="" xmlns:a14="http://schemas.microsoft.com/office/drawing/2010/main" w="9525">
                 <a:solidFill>
                   <a:srgbClr val="000000"/>
                 </a:solidFill>
@@ -2396,7 +2396,7 @@
           <a:p>
             <a:fld id="{DEA6EBF0-8E22-42A7-9BEA-2AC7066E6498}" type="datetimeFigureOut">
               <a:rPr lang="ko-KR" altLang="en-US" smtClean="0"/>
-              <a:t>2022-12-20</a:t>
+              <a:t>2024-03-13</a:t>
             </a:fld>
             <a:endParaRPr lang="ko-KR" altLang="en-US"/>
           </a:p>
@@ -2553,7 +2553,7 @@
           <a:ln/>
           <a:extLst>
             <a:ext uri="{91240B29-F687-4f45-9708-019B960494DF}">
-              <a14:hiddenLine xmlns:a14="http://schemas.microsoft.com/office/drawing/2010/main" xmlns="" w="9525">
+              <a14:hiddenLine xmlns="" xmlns:a14="http://schemas.microsoft.com/office/drawing/2010/main" w="9525">
                 <a:solidFill>
                   <a:srgbClr val="000000"/>
                 </a:solidFill>
@@ -2681,7 +2681,7 @@
           <a:p>
             <a:fld id="{DEA6EBF0-8E22-42A7-9BEA-2AC7066E6498}" type="datetimeFigureOut">
               <a:rPr lang="ko-KR" altLang="en-US" smtClean="0"/>
-              <a:t>2022-12-20</a:t>
+              <a:t>2024-03-13</a:t>
             </a:fld>
             <a:endParaRPr lang="ko-KR" altLang="en-US"/>
           </a:p>
@@ -2836,7 +2836,7 @@
           <a:ln/>
           <a:extLst>
             <a:ext uri="{91240B29-F687-4f45-9708-019B960494DF}">
-              <a14:hiddenLine xmlns:a14="http://schemas.microsoft.com/office/drawing/2010/main" xmlns="" w="9525">
+              <a14:hiddenLine xmlns="" xmlns:a14="http://schemas.microsoft.com/office/drawing/2010/main" w="9525">
                 <a:solidFill>
                   <a:srgbClr val="000000"/>
                 </a:solidFill>
@@ -2964,7 +2964,7 @@
           <a:p>
             <a:fld id="{DEA6EBF0-8E22-42A7-9BEA-2AC7066E6498}" type="datetimeFigureOut">
               <a:rPr lang="ko-KR" altLang="en-US" smtClean="0"/>
-              <a:t>2022-12-20</a:t>
+              <a:t>2024-03-13</a:t>
             </a:fld>
             <a:endParaRPr lang="ko-KR" altLang="en-US"/>
           </a:p>
@@ -3307,7 +3307,7 @@
           <a:p>
             <a:fld id="{DEA6EBF0-8E22-42A7-9BEA-2AC7066E6498}" type="datetimeFigureOut">
               <a:rPr lang="ko-KR" altLang="en-US" smtClean="0"/>
-              <a:t>2022-12-20</a:t>
+              <a:t>2024-03-13</a:t>
             </a:fld>
             <a:endParaRPr lang="ko-KR" altLang="en-US"/>
           </a:p>
@@ -3462,7 +3462,7 @@
           <a:ln/>
           <a:extLst>
             <a:ext uri="{91240B29-F687-4f45-9708-019B960494DF}">
-              <a14:hiddenLine xmlns:a14="http://schemas.microsoft.com/office/drawing/2010/main" xmlns="" w="9525">
+              <a14:hiddenLine xmlns="" xmlns:a14="http://schemas.microsoft.com/office/drawing/2010/main" w="9525">
                 <a:solidFill>
                   <a:srgbClr val="000000"/>
                 </a:solidFill>
@@ -3646,7 +3646,7 @@
           <a:p>
             <a:fld id="{DEA6EBF0-8E22-42A7-9BEA-2AC7066E6498}" type="datetimeFigureOut">
               <a:rPr lang="ko-KR" altLang="en-US" smtClean="0"/>
-              <a:t>2022-12-20</a:t>
+              <a:t>2024-03-13</a:t>
             </a:fld>
             <a:endParaRPr lang="ko-KR" altLang="en-US"/>
           </a:p>
@@ -3801,7 +3801,7 @@
           <a:ln/>
           <a:extLst>
             <a:ext uri="{91240B29-F687-4f45-9708-019B960494DF}">
-              <a14:hiddenLine xmlns:a14="http://schemas.microsoft.com/office/drawing/2010/main" xmlns="" w="9525">
+              <a14:hiddenLine xmlns="" xmlns:a14="http://schemas.microsoft.com/office/drawing/2010/main" w="9525">
                 <a:solidFill>
                   <a:srgbClr val="000000"/>
                 </a:solidFill>
@@ -4123,7 +4123,7 @@
           <a:p>
             <a:fld id="{DEA6EBF0-8E22-42A7-9BEA-2AC7066E6498}" type="datetimeFigureOut">
               <a:rPr lang="ko-KR" altLang="en-US" smtClean="0"/>
-              <a:t>2022-12-20</a:t>
+              <a:t>2024-03-13</a:t>
             </a:fld>
             <a:endParaRPr lang="ko-KR" altLang="en-US"/>
           </a:p>
@@ -4241,7 +4241,7 @@
           <a:p>
             <a:fld id="{DEA6EBF0-8E22-42A7-9BEA-2AC7066E6498}" type="datetimeFigureOut">
               <a:rPr lang="ko-KR" altLang="en-US" smtClean="0"/>
-              <a:t>2022-12-20</a:t>
+              <a:t>2024-03-13</a:t>
             </a:fld>
             <a:endParaRPr lang="ko-KR" altLang="en-US"/>
           </a:p>
@@ -4336,7 +4336,7 @@
           <a:p>
             <a:fld id="{DEA6EBF0-8E22-42A7-9BEA-2AC7066E6498}" type="datetimeFigureOut">
               <a:rPr lang="ko-KR" altLang="en-US" smtClean="0"/>
-              <a:t>2022-12-20</a:t>
+              <a:t>2024-03-13</a:t>
             </a:fld>
             <a:endParaRPr lang="ko-KR" altLang="en-US"/>
           </a:p>
@@ -4604,7 +4604,7 @@
           <a:ln/>
           <a:extLst>
             <a:ext uri="{91240B29-F687-4f45-9708-019B960494DF}">
-              <a14:hiddenLine xmlns:a14="http://schemas.microsoft.com/office/drawing/2010/main" xmlns="" w="9525">
+              <a14:hiddenLine xmlns="" xmlns:a14="http://schemas.microsoft.com/office/drawing/2010/main" w="9525">
                 <a:solidFill>
                   <a:srgbClr val="000000"/>
                 </a:solidFill>
@@ -4803,7 +4803,7 @@
           <a:p>
             <a:fld id="{DEA6EBF0-8E22-42A7-9BEA-2AC7066E6498}" type="datetimeFigureOut">
               <a:rPr lang="ko-KR" altLang="en-US" smtClean="0"/>
-              <a:t>2022-12-20</a:t>
+              <a:t>2024-03-13</a:t>
             </a:fld>
             <a:endParaRPr lang="ko-KR" altLang="en-US"/>
           </a:p>
@@ -5116,7 +5116,7 @@
           <a:p>
             <a:fld id="{DEA6EBF0-8E22-42A7-9BEA-2AC7066E6498}" type="datetimeFigureOut">
               <a:rPr lang="ko-KR" altLang="en-US" smtClean="0"/>
-              <a:t>2022-12-20</a:t>
+              <a:t>2024-03-13</a:t>
             </a:fld>
             <a:endParaRPr lang="ko-KR" altLang="en-US"/>
           </a:p>
@@ -5386,7 +5386,7 @@
           <a:p>
             <a:fld id="{DEA6EBF0-8E22-42A7-9BEA-2AC7066E6498}" type="datetimeFigureOut">
               <a:rPr lang="ko-KR" altLang="en-US" smtClean="0"/>
-              <a:t>2022-12-20</a:t>
+              <a:t>2024-03-13</a:t>
             </a:fld>
             <a:endParaRPr lang="ko-KR" altLang="en-US"/>
           </a:p>
@@ -5857,8 +5857,8 @@
           <a:lstStyle/>
           <a:p>
             <a:r>
-              <a:rPr lang="en-US" altLang="ko-KR" dirty="0"/>
-              <a:t>Unit Test</a:t>
+              <a:rPr lang="en-US" altLang="ko-KR"/>
+              <a:t>T1_System</a:t>
             </a:r>
             <a:endParaRPr lang="ko-KR" altLang="en-US" dirty="0"/>
           </a:p>

--- a/DsDotNet/src/UnitTest/UnitTest.Model/ImportOfficeExample/ppt/T1_System.pptx
+++ b/DsDotNet/src/UnitTest/UnitTest.Model/ImportOfficeExample/ppt/T1_System.pptx
@@ -217,7 +217,7 @@
           <a:p>
             <a:fld id="{DD503887-5801-43A0-AEF9-041E8DDC2558}" type="datetimeFigureOut">
               <a:rPr lang="ko-KR" altLang="en-US" smtClean="0"/>
-              <a:t>2024-03-13</a:t>
+              <a:t>2024-05-12</a:t>
             </a:fld>
             <a:endParaRPr lang="ko-KR" altLang="en-US"/>
           </a:p>
@@ -394,7 +394,7 @@
           <a:p>
             <a:fld id="{95336A0E-57B1-4D4C-BD9B-2F72B5943464}" type="datetimeFigureOut">
               <a:rPr lang="ko-KR" altLang="en-US" smtClean="0"/>
-              <a:t>2024-03-13</a:t>
+              <a:t>2024-05-12</a:t>
             </a:fld>
             <a:endParaRPr lang="ko-KR" altLang="en-US"/>
           </a:p>
@@ -756,7 +756,7 @@
           <a:effectLst/>
           <a:extLst>
             <a:ext uri="{91240B29-F687-4f45-9708-019B960494DF}">
-              <a14:hiddenLine xmlns="" xmlns:a14="http://schemas.microsoft.com/office/drawing/2010/main" w="9525">
+              <a14:hiddenLine xmlns:a14="http://schemas.microsoft.com/office/drawing/2010/main" xmlns="" w="9525">
                 <a:solidFill>
                   <a:srgbClr val="000000"/>
                 </a:solidFill>
@@ -948,7 +948,7 @@
           <a:p>
             <a:fld id="{DEA6EBF0-8E22-42A7-9BEA-2AC7066E6498}" type="datetimeFigureOut">
               <a:rPr lang="ko-KR" altLang="en-US" smtClean="0"/>
-              <a:t>2024-03-13</a:t>
+              <a:t>2024-05-12</a:t>
             </a:fld>
             <a:endParaRPr lang="ko-KR" altLang="en-US"/>
           </a:p>
@@ -1266,7 +1266,7 @@
           <a:p>
             <a:fld id="{DEA6EBF0-8E22-42A7-9BEA-2AC7066E6498}" type="datetimeFigureOut">
               <a:rPr lang="ko-KR" altLang="en-US" smtClean="0"/>
-              <a:t>2024-03-13</a:t>
+              <a:t>2024-05-12</a:t>
             </a:fld>
             <a:endParaRPr lang="ko-KR" altLang="en-US"/>
           </a:p>
@@ -1754,7 +1754,7 @@
           <a:p>
             <a:fld id="{DEA6EBF0-8E22-42A7-9BEA-2AC7066E6498}" type="datetimeFigureOut">
               <a:rPr lang="ko-KR" altLang="en-US" smtClean="0"/>
-              <a:t>2024-03-13</a:t>
+              <a:t>2024-05-12</a:t>
             </a:fld>
             <a:endParaRPr lang="ko-KR" altLang="en-US"/>
           </a:p>
@@ -2123,7 +2123,7 @@
           <a:p>
             <a:fld id="{DEA6EBF0-8E22-42A7-9BEA-2AC7066E6498}" type="datetimeFigureOut">
               <a:rPr lang="ko-KR" altLang="en-US" smtClean="0"/>
-              <a:t>2024-03-13</a:t>
+              <a:t>2024-05-12</a:t>
             </a:fld>
             <a:endParaRPr lang="ko-KR" altLang="en-US"/>
           </a:p>
@@ -2278,7 +2278,7 @@
           <a:ln/>
           <a:extLst>
             <a:ext uri="{91240B29-F687-4f45-9708-019B960494DF}">
-              <a14:hiddenLine xmlns="" xmlns:a14="http://schemas.microsoft.com/office/drawing/2010/main" w="9525">
+              <a14:hiddenLine xmlns:a14="http://schemas.microsoft.com/office/drawing/2010/main" xmlns="" w="9525">
                 <a:solidFill>
                   <a:srgbClr val="000000"/>
                 </a:solidFill>
@@ -2396,7 +2396,7 @@
           <a:p>
             <a:fld id="{DEA6EBF0-8E22-42A7-9BEA-2AC7066E6498}" type="datetimeFigureOut">
               <a:rPr lang="ko-KR" altLang="en-US" smtClean="0"/>
-              <a:t>2024-03-13</a:t>
+              <a:t>2024-05-12</a:t>
             </a:fld>
             <a:endParaRPr lang="ko-KR" altLang="en-US"/>
           </a:p>
@@ -2553,7 +2553,7 @@
           <a:ln/>
           <a:extLst>
             <a:ext uri="{91240B29-F687-4f45-9708-019B960494DF}">
-              <a14:hiddenLine xmlns="" xmlns:a14="http://schemas.microsoft.com/office/drawing/2010/main" w="9525">
+              <a14:hiddenLine xmlns:a14="http://schemas.microsoft.com/office/drawing/2010/main" xmlns="" w="9525">
                 <a:solidFill>
                   <a:srgbClr val="000000"/>
                 </a:solidFill>
@@ -2681,7 +2681,7 @@
           <a:p>
             <a:fld id="{DEA6EBF0-8E22-42A7-9BEA-2AC7066E6498}" type="datetimeFigureOut">
               <a:rPr lang="ko-KR" altLang="en-US" smtClean="0"/>
-              <a:t>2024-03-13</a:t>
+              <a:t>2024-05-12</a:t>
             </a:fld>
             <a:endParaRPr lang="ko-KR" altLang="en-US"/>
           </a:p>
@@ -2836,7 +2836,7 @@
           <a:ln/>
           <a:extLst>
             <a:ext uri="{91240B29-F687-4f45-9708-019B960494DF}">
-              <a14:hiddenLine xmlns="" xmlns:a14="http://schemas.microsoft.com/office/drawing/2010/main" w="9525">
+              <a14:hiddenLine xmlns:a14="http://schemas.microsoft.com/office/drawing/2010/main" xmlns="" w="9525">
                 <a:solidFill>
                   <a:srgbClr val="000000"/>
                 </a:solidFill>
@@ -2964,7 +2964,7 @@
           <a:p>
             <a:fld id="{DEA6EBF0-8E22-42A7-9BEA-2AC7066E6498}" type="datetimeFigureOut">
               <a:rPr lang="ko-KR" altLang="en-US" smtClean="0"/>
-              <a:t>2024-03-13</a:t>
+              <a:t>2024-05-12</a:t>
             </a:fld>
             <a:endParaRPr lang="ko-KR" altLang="en-US"/>
           </a:p>
@@ -3307,7 +3307,7 @@
           <a:p>
             <a:fld id="{DEA6EBF0-8E22-42A7-9BEA-2AC7066E6498}" type="datetimeFigureOut">
               <a:rPr lang="ko-KR" altLang="en-US" smtClean="0"/>
-              <a:t>2024-03-13</a:t>
+              <a:t>2024-05-12</a:t>
             </a:fld>
             <a:endParaRPr lang="ko-KR" altLang="en-US"/>
           </a:p>
@@ -3462,7 +3462,7 @@
           <a:ln/>
           <a:extLst>
             <a:ext uri="{91240B29-F687-4f45-9708-019B960494DF}">
-              <a14:hiddenLine xmlns="" xmlns:a14="http://schemas.microsoft.com/office/drawing/2010/main" w="9525">
+              <a14:hiddenLine xmlns:a14="http://schemas.microsoft.com/office/drawing/2010/main" xmlns="" w="9525">
                 <a:solidFill>
                   <a:srgbClr val="000000"/>
                 </a:solidFill>
@@ -3646,7 +3646,7 @@
           <a:p>
             <a:fld id="{DEA6EBF0-8E22-42A7-9BEA-2AC7066E6498}" type="datetimeFigureOut">
               <a:rPr lang="ko-KR" altLang="en-US" smtClean="0"/>
-              <a:t>2024-03-13</a:t>
+              <a:t>2024-05-12</a:t>
             </a:fld>
             <a:endParaRPr lang="ko-KR" altLang="en-US"/>
           </a:p>
@@ -3801,7 +3801,7 @@
           <a:ln/>
           <a:extLst>
             <a:ext uri="{91240B29-F687-4f45-9708-019B960494DF}">
-              <a14:hiddenLine xmlns="" xmlns:a14="http://schemas.microsoft.com/office/drawing/2010/main" w="9525">
+              <a14:hiddenLine xmlns:a14="http://schemas.microsoft.com/office/drawing/2010/main" xmlns="" w="9525">
                 <a:solidFill>
                   <a:srgbClr val="000000"/>
                 </a:solidFill>
@@ -4123,7 +4123,7 @@
           <a:p>
             <a:fld id="{DEA6EBF0-8E22-42A7-9BEA-2AC7066E6498}" type="datetimeFigureOut">
               <a:rPr lang="ko-KR" altLang="en-US" smtClean="0"/>
-              <a:t>2024-03-13</a:t>
+              <a:t>2024-05-12</a:t>
             </a:fld>
             <a:endParaRPr lang="ko-KR" altLang="en-US"/>
           </a:p>
@@ -4241,7 +4241,7 @@
           <a:p>
             <a:fld id="{DEA6EBF0-8E22-42A7-9BEA-2AC7066E6498}" type="datetimeFigureOut">
               <a:rPr lang="ko-KR" altLang="en-US" smtClean="0"/>
-              <a:t>2024-03-13</a:t>
+              <a:t>2024-05-12</a:t>
             </a:fld>
             <a:endParaRPr lang="ko-KR" altLang="en-US"/>
           </a:p>
@@ -4336,7 +4336,7 @@
           <a:p>
             <a:fld id="{DEA6EBF0-8E22-42A7-9BEA-2AC7066E6498}" type="datetimeFigureOut">
               <a:rPr lang="ko-KR" altLang="en-US" smtClean="0"/>
-              <a:t>2024-03-13</a:t>
+              <a:t>2024-05-12</a:t>
             </a:fld>
             <a:endParaRPr lang="ko-KR" altLang="en-US"/>
           </a:p>
@@ -4604,7 +4604,7 @@
           <a:ln/>
           <a:extLst>
             <a:ext uri="{91240B29-F687-4f45-9708-019B960494DF}">
-              <a14:hiddenLine xmlns="" xmlns:a14="http://schemas.microsoft.com/office/drawing/2010/main" w="9525">
+              <a14:hiddenLine xmlns:a14="http://schemas.microsoft.com/office/drawing/2010/main" xmlns="" w="9525">
                 <a:solidFill>
                   <a:srgbClr val="000000"/>
                 </a:solidFill>
@@ -4803,7 +4803,7 @@
           <a:p>
             <a:fld id="{DEA6EBF0-8E22-42A7-9BEA-2AC7066E6498}" type="datetimeFigureOut">
               <a:rPr lang="ko-KR" altLang="en-US" smtClean="0"/>
-              <a:t>2024-03-13</a:t>
+              <a:t>2024-05-12</a:t>
             </a:fld>
             <a:endParaRPr lang="ko-KR" altLang="en-US"/>
           </a:p>
@@ -5116,7 +5116,7 @@
           <a:p>
             <a:fld id="{DEA6EBF0-8E22-42A7-9BEA-2AC7066E6498}" type="datetimeFigureOut">
               <a:rPr lang="ko-KR" altLang="en-US" smtClean="0"/>
-              <a:t>2024-03-13</a:t>
+              <a:t>2024-05-12</a:t>
             </a:fld>
             <a:endParaRPr lang="ko-KR" altLang="en-US"/>
           </a:p>
@@ -5386,7 +5386,7 @@
           <a:p>
             <a:fld id="{DEA6EBF0-8E22-42A7-9BEA-2AC7066E6498}" type="datetimeFigureOut">
               <a:rPr lang="ko-KR" altLang="en-US" smtClean="0"/>
-              <a:t>2024-03-13</a:t>
+              <a:t>2024-05-12</a:t>
             </a:fld>
             <a:endParaRPr lang="ko-KR" altLang="en-US"/>
           </a:p>

--- a/DsDotNet/src/UnitTest/UnitTest.Model/ImportOfficeExample/ppt/T1_System.pptx
+++ b/DsDotNet/src/UnitTest/UnitTest.Model/ImportOfficeExample/ppt/T1_System.pptx
@@ -5,15 +5,14 @@
     <p:sldMasterId id="2147483660" r:id="rId1"/>
   </p:sldMasterIdLst>
   <p:notesMasterIdLst>
-    <p:notesMasterId r:id="rId5"/>
+    <p:notesMasterId r:id="rId4"/>
   </p:notesMasterIdLst>
   <p:handoutMasterIdLst>
-    <p:handoutMasterId r:id="rId6"/>
+    <p:handoutMasterId r:id="rId5"/>
   </p:handoutMasterIdLst>
   <p:sldIdLst>
     <p:sldId id="256" r:id="rId2"/>
     <p:sldId id="258" r:id="rId3"/>
-    <p:sldId id="259" r:id="rId4"/>
   </p:sldIdLst>
   <p:sldSz cx="12192000" cy="6858000"/>
   <p:notesSz cx="6797675" cy="9926638"/>
@@ -217,7 +216,7 @@
           <a:p>
             <a:fld id="{DD503887-5801-43A0-AEF9-041E8DDC2558}" type="datetimeFigureOut">
               <a:rPr lang="ko-KR" altLang="en-US" smtClean="0"/>
-              <a:t>2024-07-16</a:t>
+              <a:t>2024-08-14</a:t>
             </a:fld>
             <a:endParaRPr lang="ko-KR" altLang="en-US"/>
           </a:p>
@@ -394,7 +393,7 @@
           <a:p>
             <a:fld id="{95336A0E-57B1-4D4C-BD9B-2F72B5943464}" type="datetimeFigureOut">
               <a:rPr lang="ko-KR" altLang="en-US" smtClean="0"/>
-              <a:t>2024-07-16</a:t>
+              <a:t>2024-08-14</a:t>
             </a:fld>
             <a:endParaRPr lang="ko-KR" altLang="en-US"/>
           </a:p>
@@ -948,7 +947,7 @@
           <a:p>
             <a:fld id="{DEA6EBF0-8E22-42A7-9BEA-2AC7066E6498}" type="datetimeFigureOut">
               <a:rPr lang="ko-KR" altLang="en-US" smtClean="0"/>
-              <a:t>2024-07-16</a:t>
+              <a:t>2024-08-14</a:t>
             </a:fld>
             <a:endParaRPr lang="ko-KR" altLang="en-US"/>
           </a:p>
@@ -1231,7 +1230,7 @@
           <a:p>
             <a:fld id="{DEA6EBF0-8E22-42A7-9BEA-2AC7066E6498}" type="datetimeFigureOut">
               <a:rPr lang="ko-KR" altLang="en-US" smtClean="0"/>
-              <a:t>2024-07-16</a:t>
+              <a:t>2024-08-14</a:t>
             </a:fld>
             <a:endParaRPr lang="ko-KR" altLang="en-US"/>
           </a:p>
@@ -1491,7 +1490,7 @@
           <a:p>
             <a:fld id="{DEA6EBF0-8E22-42A7-9BEA-2AC7066E6498}" type="datetimeFigureOut">
               <a:rPr lang="ko-KR" altLang="en-US" smtClean="0"/>
-              <a:t>2024-07-16</a:t>
+              <a:t>2024-08-14</a:t>
             </a:fld>
             <a:endParaRPr lang="ko-KR" altLang="en-US"/>
           </a:p>
@@ -2268,14 +2267,7 @@
             <a:pPr algn="ctr"/>
             <a:r>
               <a:rPr lang="en-US" altLang="ko-KR" sz="1600" dirty="0"/>
-              <a:t>../Sample</a:t>
-            </a:r>
-          </a:p>
-          <a:p>
-            <a:pPr algn="ctr"/>
-            <a:r>
-              <a:rPr lang="en-US" altLang="ko-KR" sz="1600" dirty="0"/>
-              <a:t>/Lib/Cylinder/Double</a:t>
+              <a:t>./Lib/Cylinder/Double</a:t>
             </a:r>
           </a:p>
           <a:p>
@@ -2340,14 +2332,7 @@
             <a:pPr algn="ctr"/>
             <a:r>
               <a:rPr lang="en-US" altLang="ko-KR" sz="1600" dirty="0"/>
-              <a:t>../Sample</a:t>
-            </a:r>
-          </a:p>
-          <a:p>
-            <a:pPr algn="ctr"/>
-            <a:r>
-              <a:rPr lang="en-US" altLang="ko-KR" sz="1600" dirty="0"/>
-              <a:t>/Lib/Robot/Weld</a:t>
+              <a:t>./Lib/Robot/Weld</a:t>
             </a:r>
           </a:p>
           <a:p>
@@ -2364,209 +2349,6 @@
     <p:extLst>
       <p:ext uri="{BB962C8B-B14F-4D97-AF65-F5344CB8AC3E}">
         <p14:creationId xmlns:p14="http://schemas.microsoft.com/office/powerpoint/2010/main" val="2346780900"/>
-      </p:ext>
-    </p:extLst>
-  </p:cSld>
-  <p:clrMapOvr>
-    <a:masterClrMapping/>
-  </p:clrMapOvr>
-</p:sld>
-</file>
-
-<file path=ppt/slides/slide3.xml><?xml version="1.0" encoding="utf-8"?>
-<p:sld xmlns:a="http://schemas.openxmlformats.org/drawingml/2006/main" xmlns:r="http://schemas.openxmlformats.org/officeDocument/2006/relationships" xmlns:p="http://schemas.openxmlformats.org/presentationml/2006/main">
-  <p:cSld>
-    <p:spTree>
-      <p:nvGrpSpPr>
-        <p:cNvPr id="1" name=""/>
-        <p:cNvGrpSpPr/>
-        <p:nvPr/>
-      </p:nvGrpSpPr>
-      <p:grpSpPr>
-        <a:xfrm>
-          <a:off x="0" y="0"/>
-          <a:ext cx="0" cy="0"/>
-          <a:chOff x="0" y="0"/>
-          <a:chExt cx="0" cy="0"/>
-        </a:xfrm>
-      </p:grpSpPr>
-      <p:sp>
-        <p:nvSpPr>
-          <p:cNvPr id="2" name="제목 1">
-            <a:extLst>
-              <a:ext uri="{FF2B5EF4-FFF2-40B4-BE49-F238E27FC236}">
-                <a16:creationId xmlns:a16="http://schemas.microsoft.com/office/drawing/2014/main" id="{0E7EE7A1-7B14-06A7-414F-ACB9F852EA89}"/>
-              </a:ext>
-            </a:extLst>
-          </p:cNvPr>
-          <p:cNvSpPr>
-            <a:spLocks noGrp="1"/>
-          </p:cNvSpPr>
-          <p:nvPr>
-            <p:ph type="title"/>
-          </p:nvPr>
-        </p:nvSpPr>
-        <p:spPr/>
-        <p:txBody>
-          <a:bodyPr/>
-          <a:lstStyle/>
-          <a:p>
-            <a:r>
-              <a:rPr lang="en-US" altLang="ko-KR" dirty="0"/>
-              <a:t>S102</a:t>
-            </a:r>
-            <a:endParaRPr lang="ko-KR" altLang="en-US" dirty="0"/>
-          </a:p>
-        </p:txBody>
-      </p:sp>
-      <p:sp>
-        <p:nvSpPr>
-          <p:cNvPr id="4" name="사각형: 모서리가 접힌 도형 3">
-            <a:extLst>
-              <a:ext uri="{FF2B5EF4-FFF2-40B4-BE49-F238E27FC236}">
-                <a16:creationId xmlns:a16="http://schemas.microsoft.com/office/drawing/2014/main" id="{EEDB368B-28D1-B422-F437-FA7DC7D95CC8}"/>
-              </a:ext>
-            </a:extLst>
-          </p:cNvPr>
-          <p:cNvSpPr/>
-          <p:nvPr/>
-        </p:nvSpPr>
-        <p:spPr>
-          <a:xfrm>
-            <a:off x="6846575" y="3930359"/>
-            <a:ext cx="2265308" cy="927391"/>
-          </a:xfrm>
-          <a:prstGeom prst="foldedCorner">
-            <a:avLst>
-              <a:gd name="adj" fmla="val 27487"/>
-            </a:avLst>
-          </a:prstGeom>
-          <a:solidFill>
-            <a:schemeClr val="accent3">
-              <a:alpha val="50000"/>
-            </a:schemeClr>
-          </a:solidFill>
-          <a:ln>
-            <a:noFill/>
-          </a:ln>
-        </p:spPr>
-        <p:style>
-          <a:lnRef idx="0">
-            <a:scrgbClr r="0" g="0" b="0"/>
-          </a:lnRef>
-          <a:fillRef idx="0">
-            <a:scrgbClr r="0" g="0" b="0"/>
-          </a:fillRef>
-          <a:effectRef idx="0">
-            <a:scrgbClr r="0" g="0" b="0"/>
-          </a:effectRef>
-          <a:fontRef idx="minor">
-            <a:schemeClr val="lt1"/>
-          </a:fontRef>
-        </p:style>
-        <p:txBody>
-          <a:bodyPr rtlCol="0" anchor="ctr"/>
-          <a:lstStyle/>
-          <a:p>
-            <a:pPr algn="ctr"/>
-            <a:r>
-              <a:rPr lang="en-US" altLang="ko-KR" sz="1600" dirty="0"/>
-              <a:t>../Sample</a:t>
-            </a:r>
-          </a:p>
-          <a:p>
-            <a:pPr algn="ctr"/>
-            <a:r>
-              <a:rPr lang="en-US" altLang="ko-KR" sz="1600" dirty="0"/>
-              <a:t>/Lib/Cylinder/Double</a:t>
-            </a:r>
-          </a:p>
-          <a:p>
-            <a:pPr algn="ctr"/>
-            <a:r>
-              <a:rPr lang="en-US" altLang="ko-KR" sz="1600" dirty="0"/>
-              <a:t>[Pin]</a:t>
-            </a:r>
-            <a:endParaRPr lang="ko-KR" altLang="en-US" sz="1600" dirty="0"/>
-          </a:p>
-        </p:txBody>
-      </p:sp>
-      <p:sp>
-        <p:nvSpPr>
-          <p:cNvPr id="5" name="사각형: 모서리가 접힌 도형 4">
-            <a:extLst>
-              <a:ext uri="{FF2B5EF4-FFF2-40B4-BE49-F238E27FC236}">
-                <a16:creationId xmlns:a16="http://schemas.microsoft.com/office/drawing/2014/main" id="{81F597C7-A704-C79D-38FF-D833F1FB20FC}"/>
-              </a:ext>
-            </a:extLst>
-          </p:cNvPr>
-          <p:cNvSpPr/>
-          <p:nvPr/>
-        </p:nvSpPr>
-        <p:spPr>
-          <a:xfrm>
-            <a:off x="6846575" y="5237597"/>
-            <a:ext cx="2265308" cy="927391"/>
-          </a:xfrm>
-          <a:prstGeom prst="foldedCorner">
-            <a:avLst>
-              <a:gd name="adj" fmla="val 27487"/>
-            </a:avLst>
-          </a:prstGeom>
-          <a:solidFill>
-            <a:schemeClr val="accent3">
-              <a:alpha val="50000"/>
-            </a:schemeClr>
-          </a:solidFill>
-          <a:ln>
-            <a:noFill/>
-          </a:ln>
-        </p:spPr>
-        <p:style>
-          <a:lnRef idx="0">
-            <a:scrgbClr r="0" g="0" b="0"/>
-          </a:lnRef>
-          <a:fillRef idx="0">
-            <a:scrgbClr r="0" g="0" b="0"/>
-          </a:fillRef>
-          <a:effectRef idx="0">
-            <a:scrgbClr r="0" g="0" b="0"/>
-          </a:effectRef>
-          <a:fontRef idx="minor">
-            <a:schemeClr val="lt1"/>
-          </a:fontRef>
-        </p:style>
-        <p:txBody>
-          <a:bodyPr rtlCol="0" anchor="ctr"/>
-          <a:lstStyle/>
-          <a:p>
-            <a:pPr algn="ctr"/>
-            <a:r>
-              <a:rPr lang="en-US" altLang="ko-KR" sz="1600" dirty="0"/>
-              <a:t>../Sample</a:t>
-            </a:r>
-          </a:p>
-          <a:p>
-            <a:pPr algn="ctr"/>
-            <a:r>
-              <a:rPr lang="en-US" altLang="ko-KR" sz="1600" dirty="0"/>
-              <a:t>/Lib/Robot/Weld</a:t>
-            </a:r>
-          </a:p>
-          <a:p>
-            <a:pPr algn="ctr"/>
-            <a:r>
-              <a:rPr lang="en-US" altLang="ko-KR" sz="1600" dirty="0"/>
-              <a:t>[Rbt1]</a:t>
-            </a:r>
-            <a:endParaRPr lang="ko-KR" altLang="en-US" sz="1600" dirty="0"/>
-          </a:p>
-        </p:txBody>
-      </p:sp>
-    </p:spTree>
-    <p:extLst>
-      <p:ext uri="{BB962C8B-B14F-4D97-AF65-F5344CB8AC3E}">
-        <p14:creationId xmlns:p14="http://schemas.microsoft.com/office/powerpoint/2010/main" val="799963828"/>
       </p:ext>
     </p:extLst>
   </p:cSld>
